--- a/Project3_第三組_小組報告/Project3_第三組_小組報告.pptx
+++ b/Project3_第三組_小組報告/Project3_第三組_小組報告.pptx
@@ -5,7 +5,7 @@
     <p:sldMasterId id="2147483672" r:id="rId1"/>
   </p:sldMasterIdLst>
   <p:notesMasterIdLst>
-    <p:notesMasterId r:id="rId21"/>
+    <p:notesMasterId r:id="rId20"/>
   </p:notesMasterIdLst>
   <p:sldIdLst>
     <p:sldId id="256" r:id="rId2"/>
@@ -26,7 +26,6 @@
     <p:sldId id="296" r:id="rId17"/>
     <p:sldId id="298" r:id="rId18"/>
     <p:sldId id="267" r:id="rId19"/>
-    <p:sldId id="271" r:id="rId20"/>
   </p:sldIdLst>
   <p:sldSz cx="12192000" cy="6858000"/>
   <p:notesSz cx="6858000" cy="9144000"/>
@@ -8224,14 +8223,7 @@
                 <a:latin typeface="微軟正黑體" panose="020B0604030504040204" pitchFamily="34" charset="-120"/>
                 <a:ea typeface="微軟正黑體" panose="020B0604030504040204" pitchFamily="34" charset="-120"/>
               </a:rPr>
-              <a:t>表面不平滑的雜質，我們</a:t>
-            </a:r>
-            <a:r>
-              <a:rPr lang="zh-TW" altLang="en-US" dirty="0" smtClean="0">
-                <a:latin typeface="微軟正黑體" panose="020B0604030504040204" pitchFamily="34" charset="-120"/>
-                <a:ea typeface="微軟正黑體" panose="020B0604030504040204" pitchFamily="34" charset="-120"/>
-              </a:rPr>
-              <a:t>先</a:t>
+              <a:t>表面不平滑的雜質，我們先</a:t>
             </a:r>
             <a:r>
               <a:rPr lang="zh-TW" altLang="en-US" dirty="0">
@@ -8315,21 +8307,7 @@
                 <a:latin typeface="微軟正黑體" panose="020B0604030504040204" pitchFamily="34" charset="-120"/>
                 <a:ea typeface="微軟正黑體" panose="020B0604030504040204" pitchFamily="34" charset="-120"/>
               </a:rPr>
-              <a:t>並不是很直的直線，無法使用霍夫線尋找，但卻是三</a:t>
-            </a:r>
-            <a:r>
-              <a:rPr lang="zh-TW" altLang="en-US" dirty="0" smtClean="0">
-                <a:latin typeface="微軟正黑體" panose="020B0604030504040204" pitchFamily="34" charset="-120"/>
-                <a:ea typeface="微軟正黑體" panose="020B0604030504040204" pitchFamily="34" charset="-120"/>
-              </a:rPr>
-              <a:t>個明顯分離的</a:t>
-            </a:r>
-            <a:r>
-              <a:rPr lang="zh-TW" altLang="en-US" dirty="0" smtClean="0">
-                <a:latin typeface="微軟正黑體" panose="020B0604030504040204" pitchFamily="34" charset="-120"/>
-                <a:ea typeface="微軟正黑體" panose="020B0604030504040204" pitchFamily="34" charset="-120"/>
-              </a:rPr>
-              <a:t>物件，所以選擇</a:t>
+              <a:t>並不是很直的直線，無法使用霍夫線尋找，但卻是三個明顯分離的物件，所以選擇</a:t>
             </a:r>
             <a:r>
               <a:rPr lang="zh-TW" altLang="en-US" dirty="0">
@@ -8406,395 +8384,6 @@
     <p:extLst>
       <p:ext uri="{BB962C8B-B14F-4D97-AF65-F5344CB8AC3E}">
         <p14:creationId xmlns:p14="http://schemas.microsoft.com/office/powerpoint/2010/main" val="3512597139"/>
-      </p:ext>
-    </p:extLst>
-  </p:cSld>
-  <p:clrMapOvr>
-    <a:masterClrMapping/>
-  </p:clrMapOvr>
-</p:sld>
-</file>
-
-<file path=ppt/slides/slide19.xml><?xml version="1.0" encoding="utf-8"?>
-<p:sld xmlns:a="http://schemas.openxmlformats.org/drawingml/2006/main" xmlns:r="http://schemas.openxmlformats.org/officeDocument/2006/relationships" xmlns:p="http://schemas.openxmlformats.org/presentationml/2006/main">
-  <p:cSld>
-    <p:spTree>
-      <p:nvGrpSpPr>
-        <p:cNvPr id="1" name=""/>
-        <p:cNvGrpSpPr/>
-        <p:nvPr/>
-      </p:nvGrpSpPr>
-      <p:grpSpPr>
-        <a:xfrm>
-          <a:off x="0" y="0"/>
-          <a:ext cx="0" cy="0"/>
-          <a:chOff x="0" y="0"/>
-          <a:chExt cx="0" cy="0"/>
-        </a:xfrm>
-      </p:grpSpPr>
-      <p:sp>
-        <p:nvSpPr>
-          <p:cNvPr id="2" name="標題 1"/>
-          <p:cNvSpPr>
-            <a:spLocks noGrp="1"/>
-          </p:cNvSpPr>
-          <p:nvPr>
-            <p:ph type="title"/>
-          </p:nvPr>
-        </p:nvSpPr>
-        <p:spPr/>
-        <p:txBody>
-          <a:bodyPr>
-            <a:normAutofit/>
-          </a:bodyPr>
-          <a:lstStyle/>
-          <a:p>
-            <a:r>
-              <a:rPr lang="zh-TW" altLang="en-US" sz="4000" dirty="0">
-                <a:ea typeface="微軟正黑體" panose="020B0604030504040204" pitchFamily="34" charset="-120"/>
-              </a:rPr>
-              <a:t>演算法參數值與思路</a:t>
-            </a:r>
-            <a:endParaRPr lang="zh-TW" altLang="en-US" sz="4000" dirty="0"/>
-          </a:p>
-        </p:txBody>
-      </p:sp>
-      <p:sp>
-        <p:nvSpPr>
-          <p:cNvPr id="3" name="內容版面配置區 2"/>
-          <p:cNvSpPr>
-            <a:spLocks noGrp="1"/>
-          </p:cNvSpPr>
-          <p:nvPr>
-            <p:ph idx="1"/>
-          </p:nvPr>
-        </p:nvSpPr>
-        <p:spPr>
-          <a:xfrm>
-            <a:off x="920726" y="2036820"/>
-            <a:ext cx="10350547" cy="4833257"/>
-          </a:xfrm>
-        </p:spPr>
-        <p:txBody>
-          <a:bodyPr>
-            <a:normAutofit/>
-          </a:bodyPr>
-          <a:lstStyle/>
-          <a:p>
-            <a:pPr marL="0" indent="0">
-              <a:lnSpc>
-                <a:spcPct val="150000"/>
-              </a:lnSpc>
-              <a:buNone/>
-            </a:pPr>
-            <a:r>
-              <a:rPr lang="en-US" altLang="zh-TW" sz="2000" dirty="0">
-                <a:latin typeface="微軟正黑體" panose="020B0604030504040204" pitchFamily="34" charset="-120"/>
-                <a:ea typeface="微軟正黑體" panose="020B0604030504040204" pitchFamily="34" charset="-120"/>
-              </a:rPr>
-              <a:t>	</a:t>
-            </a:r>
-            <a:r>
-              <a:rPr lang="zh-TW" altLang="en-US" sz="2000" dirty="0">
-                <a:latin typeface="微軟正黑體" panose="020B0604030504040204" pitchFamily="34" charset="-120"/>
-                <a:ea typeface="微軟正黑體" panose="020B0604030504040204" pitchFamily="34" charset="-120"/>
-              </a:rPr>
-              <a:t>利用霍夫圓找到硬幣的位置，其中圓的半徑都大於</a:t>
-            </a:r>
-            <a:r>
-              <a:rPr lang="en-US" altLang="zh-TW" sz="2000" dirty="0">
-                <a:latin typeface="微軟正黑體" panose="020B0604030504040204" pitchFamily="34" charset="-120"/>
-                <a:ea typeface="微軟正黑體" panose="020B0604030504040204" pitchFamily="34" charset="-120"/>
-              </a:rPr>
-              <a:t>180</a:t>
-            </a:r>
-            <a:r>
-              <a:rPr lang="zh-TW" altLang="en-US" sz="2000" dirty="0">
-                <a:latin typeface="微軟正黑體" panose="020B0604030504040204" pitchFamily="34" charset="-120"/>
-                <a:ea typeface="微軟正黑體" panose="020B0604030504040204" pitchFamily="34" charset="-120"/>
-              </a:rPr>
-              <a:t>，所以圓到圓之間的距離</a:t>
-            </a:r>
-            <a:r>
-              <a:rPr lang="en-US" altLang="zh-TW" sz="2000" dirty="0" err="1">
-                <a:latin typeface="微軟正黑體" panose="020B0604030504040204" pitchFamily="34" charset="-120"/>
-                <a:ea typeface="微軟正黑體" panose="020B0604030504040204" pitchFamily="34" charset="-120"/>
-              </a:rPr>
-              <a:t>minDist</a:t>
-            </a:r>
-            <a:r>
-              <a:rPr lang="zh-TW" altLang="en-US" sz="2000" dirty="0">
-                <a:latin typeface="微軟正黑體" panose="020B0604030504040204" pitchFamily="34" charset="-120"/>
-                <a:ea typeface="微軟正黑體" panose="020B0604030504040204" pitchFamily="34" charset="-120"/>
-              </a:rPr>
-              <a:t>參數給定</a:t>
-            </a:r>
-            <a:r>
-              <a:rPr lang="en-US" altLang="zh-TW" sz="2000" dirty="0">
-                <a:latin typeface="微軟正黑體" panose="020B0604030504040204" pitchFamily="34" charset="-120"/>
-                <a:ea typeface="微軟正黑體" panose="020B0604030504040204" pitchFamily="34" charset="-120"/>
-              </a:rPr>
-              <a:t>360</a:t>
-            </a:r>
-            <a:r>
-              <a:rPr lang="zh-TW" altLang="en-US" sz="2000" dirty="0">
-                <a:latin typeface="微軟正黑體" panose="020B0604030504040204" pitchFamily="34" charset="-120"/>
-                <a:ea typeface="微軟正黑體" panose="020B0604030504040204" pitchFamily="34" charset="-120"/>
-              </a:rPr>
-              <a:t>；</a:t>
-            </a:r>
-            <a:r>
-              <a:rPr lang="en-US" altLang="zh-TW" dirty="0">
-                <a:latin typeface="微軟正黑體" panose="020B0604030504040204" pitchFamily="34" charset="-120"/>
-                <a:ea typeface="微軟正黑體" panose="020B0604030504040204" pitchFamily="34" charset="-120"/>
-              </a:rPr>
-              <a:t> param1=100, param2=30</a:t>
-            </a:r>
-            <a:r>
-              <a:rPr lang="zh-TW" altLang="en-US" dirty="0">
-                <a:latin typeface="微軟正黑體" panose="020B0604030504040204" pitchFamily="34" charset="-120"/>
-                <a:ea typeface="微軟正黑體" panose="020B0604030504040204" pitchFamily="34" charset="-120"/>
-              </a:rPr>
-              <a:t>可以找到數量是最適合找到正確徒刑的數值；圓半徑位於</a:t>
-            </a:r>
-            <a:r>
-              <a:rPr lang="en-US" altLang="zh-TW" dirty="0">
-                <a:latin typeface="微軟正黑體" panose="020B0604030504040204" pitchFamily="34" charset="-120"/>
-                <a:ea typeface="微軟正黑體" panose="020B0604030504040204" pitchFamily="34" charset="-120"/>
-              </a:rPr>
-              <a:t>180-300</a:t>
-            </a:r>
-            <a:r>
-              <a:rPr lang="zh-TW" altLang="en-US" dirty="0">
-                <a:latin typeface="微軟正黑體" panose="020B0604030504040204" pitchFamily="34" charset="-120"/>
-                <a:ea typeface="微軟正黑體" panose="020B0604030504040204" pitchFamily="34" charset="-120"/>
-              </a:rPr>
-              <a:t>的區間，所以</a:t>
-            </a:r>
-            <a:r>
-              <a:rPr lang="en-US" altLang="zh-TW" dirty="0" err="1">
-                <a:latin typeface="微軟正黑體" panose="020B0604030504040204" pitchFamily="34" charset="-120"/>
-                <a:ea typeface="微軟正黑體" panose="020B0604030504040204" pitchFamily="34" charset="-120"/>
-              </a:rPr>
-              <a:t>minRadius</a:t>
-            </a:r>
-            <a:r>
-              <a:rPr lang="en-US" altLang="zh-TW" dirty="0">
-                <a:latin typeface="微軟正黑體" panose="020B0604030504040204" pitchFamily="34" charset="-120"/>
-                <a:ea typeface="微軟正黑體" panose="020B0604030504040204" pitchFamily="34" charset="-120"/>
-              </a:rPr>
-              <a:t>=180, </a:t>
-            </a:r>
-            <a:r>
-              <a:rPr lang="en-US" altLang="zh-TW" dirty="0" err="1">
-                <a:latin typeface="微軟正黑體" panose="020B0604030504040204" pitchFamily="34" charset="-120"/>
-                <a:ea typeface="微軟正黑體" panose="020B0604030504040204" pitchFamily="34" charset="-120"/>
-              </a:rPr>
-              <a:t>maxRadius</a:t>
-            </a:r>
-            <a:r>
-              <a:rPr lang="en-US" altLang="zh-TW" dirty="0">
-                <a:latin typeface="微軟正黑體" panose="020B0604030504040204" pitchFamily="34" charset="-120"/>
-                <a:ea typeface="微軟正黑體" panose="020B0604030504040204" pitchFamily="34" charset="-120"/>
-              </a:rPr>
-              <a:t>=300</a:t>
-            </a:r>
-            <a:r>
-              <a:rPr lang="zh-TW" altLang="en-US" dirty="0">
-                <a:latin typeface="微軟正黑體" panose="020B0604030504040204" pitchFamily="34" charset="-120"/>
-                <a:ea typeface="微軟正黑體" panose="020B0604030504040204" pitchFamily="34" charset="-120"/>
-              </a:rPr>
-              <a:t>。</a:t>
-            </a:r>
-            <a:endParaRPr lang="en-US" altLang="zh-TW" dirty="0">
-              <a:latin typeface="微軟正黑體" panose="020B0604030504040204" pitchFamily="34" charset="-120"/>
-              <a:ea typeface="微軟正黑體" panose="020B0604030504040204" pitchFamily="34" charset="-120"/>
-            </a:endParaRPr>
-          </a:p>
-          <a:p>
-            <a:pPr marL="0" indent="0">
-              <a:lnSpc>
-                <a:spcPct val="150000"/>
-              </a:lnSpc>
-              <a:buNone/>
-            </a:pPr>
-            <a:r>
-              <a:rPr lang="zh-TW" altLang="en-US" dirty="0">
-                <a:latin typeface="微軟正黑體" panose="020B0604030504040204" pitchFamily="34" charset="-120"/>
-                <a:ea typeface="微軟正黑體" panose="020B0604030504040204" pitchFamily="34" charset="-120"/>
-              </a:rPr>
-              <a:t>接下來是畫外框與算金額總合的部分，利用霍夫圓回傳的各個圓的大小，判斷出半徑小於</a:t>
-            </a:r>
-            <a:r>
-              <a:rPr lang="en-US" altLang="zh-TW" dirty="0">
-                <a:latin typeface="微軟正黑體" panose="020B0604030504040204" pitchFamily="34" charset="-120"/>
-                <a:ea typeface="微軟正黑體" panose="020B0604030504040204" pitchFamily="34" charset="-120"/>
-              </a:rPr>
-              <a:t>190</a:t>
-            </a:r>
-            <a:r>
-              <a:rPr lang="zh-TW" altLang="en-US" dirty="0">
-                <a:latin typeface="微軟正黑體" panose="020B0604030504040204" pitchFamily="34" charset="-120"/>
-                <a:ea typeface="微軟正黑體" panose="020B0604030504040204" pitchFamily="34" charset="-120"/>
-              </a:rPr>
-              <a:t>為</a:t>
-            </a:r>
-            <a:r>
-              <a:rPr lang="en-US" altLang="zh-TW" dirty="0">
-                <a:latin typeface="微軟正黑體" panose="020B0604030504040204" pitchFamily="34" charset="-120"/>
-                <a:ea typeface="微軟正黑體" panose="020B0604030504040204" pitchFamily="34" charset="-120"/>
-              </a:rPr>
-              <a:t>1</a:t>
-            </a:r>
-            <a:r>
-              <a:rPr lang="zh-TW" altLang="en-US" dirty="0">
-                <a:latin typeface="微軟正黑體" panose="020B0604030504040204" pitchFamily="34" charset="-120"/>
-                <a:ea typeface="微軟正黑體" panose="020B0604030504040204" pitchFamily="34" charset="-120"/>
-              </a:rPr>
-              <a:t>元； </a:t>
-            </a:r>
-            <a:r>
-              <a:rPr lang="en-US" altLang="zh-TW" dirty="0">
-                <a:latin typeface="微軟正黑體" panose="020B0604030504040204" pitchFamily="34" charset="-120"/>
-                <a:ea typeface="微軟正黑體" panose="020B0604030504040204" pitchFamily="34" charset="-120"/>
-              </a:rPr>
-              <a:t>190-210</a:t>
-            </a:r>
-            <a:r>
-              <a:rPr lang="zh-TW" altLang="en-US" dirty="0">
-                <a:latin typeface="微軟正黑體" panose="020B0604030504040204" pitchFamily="34" charset="-120"/>
-                <a:ea typeface="微軟正黑體" panose="020B0604030504040204" pitchFamily="34" charset="-120"/>
-              </a:rPr>
-              <a:t>為</a:t>
-            </a:r>
-            <a:r>
-              <a:rPr lang="en-US" altLang="zh-TW" dirty="0">
-                <a:latin typeface="微軟正黑體" panose="020B0604030504040204" pitchFamily="34" charset="-120"/>
-                <a:ea typeface="微軟正黑體" panose="020B0604030504040204" pitchFamily="34" charset="-120"/>
-              </a:rPr>
-              <a:t>5</a:t>
-            </a:r>
-            <a:r>
-              <a:rPr lang="zh-TW" altLang="en-US" dirty="0">
-                <a:latin typeface="微軟正黑體" panose="020B0604030504040204" pitchFamily="34" charset="-120"/>
-                <a:ea typeface="微軟正黑體" panose="020B0604030504040204" pitchFamily="34" charset="-120"/>
-              </a:rPr>
-              <a:t>元；</a:t>
-            </a:r>
-            <a:r>
-              <a:rPr lang="en-US" altLang="zh-TW" dirty="0">
-                <a:latin typeface="微軟正黑體" panose="020B0604030504040204" pitchFamily="34" charset="-120"/>
-                <a:ea typeface="微軟正黑體" panose="020B0604030504040204" pitchFamily="34" charset="-120"/>
-              </a:rPr>
-              <a:t> </a:t>
-            </a:r>
-            <a:r>
-              <a:rPr lang="zh-TW" altLang="en-US" dirty="0">
-                <a:latin typeface="微軟正黑體" panose="020B0604030504040204" pitchFamily="34" charset="-120"/>
-                <a:ea typeface="微軟正黑體" panose="020B0604030504040204" pitchFamily="34" charset="-120"/>
-              </a:rPr>
-              <a:t>大於</a:t>
-            </a:r>
-            <a:r>
-              <a:rPr lang="en-US" altLang="zh-TW" dirty="0">
-                <a:latin typeface="微軟正黑體" panose="020B0604030504040204" pitchFamily="34" charset="-120"/>
-                <a:ea typeface="微軟正黑體" panose="020B0604030504040204" pitchFamily="34" charset="-120"/>
-              </a:rPr>
-              <a:t>248</a:t>
-            </a:r>
-            <a:r>
-              <a:rPr lang="zh-TW" altLang="en-US" dirty="0">
-                <a:latin typeface="微軟正黑體" panose="020B0604030504040204" pitchFamily="34" charset="-120"/>
-                <a:ea typeface="微軟正黑體" panose="020B0604030504040204" pitchFamily="34" charset="-120"/>
-              </a:rPr>
-              <a:t>為</a:t>
-            </a:r>
-            <a:r>
-              <a:rPr lang="en-US" altLang="zh-TW" dirty="0">
-                <a:latin typeface="微軟正黑體" panose="020B0604030504040204" pitchFamily="34" charset="-120"/>
-                <a:ea typeface="微軟正黑體" panose="020B0604030504040204" pitchFamily="34" charset="-120"/>
-              </a:rPr>
-              <a:t>50</a:t>
-            </a:r>
-            <a:r>
-              <a:rPr lang="zh-TW" altLang="en-US" dirty="0">
-                <a:latin typeface="微軟正黑體" panose="020B0604030504040204" pitchFamily="34" charset="-120"/>
-                <a:ea typeface="微軟正黑體" panose="020B0604030504040204" pitchFamily="34" charset="-120"/>
-              </a:rPr>
-              <a:t>元；</a:t>
-            </a:r>
-            <a:r>
-              <a:rPr lang="en-US" altLang="zh-TW" dirty="0">
-                <a:latin typeface="微軟正黑體" panose="020B0604030504040204" pitchFamily="34" charset="-120"/>
-                <a:ea typeface="微軟正黑體" panose="020B0604030504040204" pitchFamily="34" charset="-120"/>
-              </a:rPr>
-              <a:t> </a:t>
-            </a:r>
-            <a:r>
-              <a:rPr lang="zh-TW" altLang="en-US" dirty="0">
-                <a:latin typeface="微軟正黑體" panose="020B0604030504040204" pitchFamily="34" charset="-120"/>
-                <a:ea typeface="微軟正黑體" panose="020B0604030504040204" pitchFamily="34" charset="-120"/>
-              </a:rPr>
-              <a:t>其餘為</a:t>
-            </a:r>
-            <a:r>
-              <a:rPr lang="en-US" altLang="zh-TW" dirty="0">
-                <a:latin typeface="微軟正黑體" panose="020B0604030504040204" pitchFamily="34" charset="-120"/>
-                <a:ea typeface="微軟正黑體" panose="020B0604030504040204" pitchFamily="34" charset="-120"/>
-              </a:rPr>
-              <a:t>10</a:t>
-            </a:r>
-            <a:r>
-              <a:rPr lang="zh-TW" altLang="en-US" dirty="0">
-                <a:latin typeface="微軟正黑體" panose="020B0604030504040204" pitchFamily="34" charset="-120"/>
-                <a:ea typeface="微軟正黑體" panose="020B0604030504040204" pitchFamily="34" charset="-120"/>
-              </a:rPr>
-              <a:t>元硬幣。判斷出為己元硬幣後，畫上對應顏色的外框，並把金額加進去總和內。</a:t>
-            </a:r>
-            <a:endParaRPr lang="en-US" altLang="zh-TW" dirty="0">
-              <a:latin typeface="微軟正黑體" panose="020B0604030504040204" pitchFamily="34" charset="-120"/>
-              <a:ea typeface="微軟正黑體" panose="020B0604030504040204" pitchFamily="34" charset="-120"/>
-            </a:endParaRPr>
-          </a:p>
-          <a:p>
-            <a:pPr marL="0" indent="0">
-              <a:lnSpc>
-                <a:spcPct val="150000"/>
-              </a:lnSpc>
-              <a:buNone/>
-            </a:pPr>
-            <a:r>
-              <a:rPr lang="zh-TW" altLang="en-US" dirty="0">
-                <a:latin typeface="微軟正黑體" panose="020B0604030504040204" pitchFamily="34" charset="-120"/>
-                <a:ea typeface="微軟正黑體" panose="020B0604030504040204" pitchFamily="34" charset="-120"/>
-              </a:rPr>
-              <a:t>最後，調整圖片大小將圖片縮小</a:t>
-            </a:r>
-            <a:r>
-              <a:rPr lang="en-US" altLang="zh-TW" dirty="0">
-                <a:latin typeface="微軟正黑體" panose="020B0604030504040204" pitchFamily="34" charset="-120"/>
-                <a:ea typeface="微軟正黑體" panose="020B0604030504040204" pitchFamily="34" charset="-120"/>
-              </a:rPr>
-              <a:t>1/4</a:t>
-            </a:r>
-            <a:r>
-              <a:rPr lang="zh-TW" altLang="en-US" dirty="0">
-                <a:latin typeface="微軟正黑體" panose="020B0604030504040204" pitchFamily="34" charset="-120"/>
-                <a:ea typeface="微軟正黑體" panose="020B0604030504040204" pitchFamily="34" charset="-120"/>
-              </a:rPr>
-              <a:t>，讓圖片不超過題目指定範圍。</a:t>
-            </a:r>
-            <a:endParaRPr lang="en-US" altLang="zh-TW" dirty="0">
-              <a:latin typeface="微軟正黑體" panose="020B0604030504040204" pitchFamily="34" charset="-120"/>
-              <a:ea typeface="微軟正黑體" panose="020B0604030504040204" pitchFamily="34" charset="-120"/>
-            </a:endParaRPr>
-          </a:p>
-        </p:txBody>
-      </p:sp>
-    </p:spTree>
-    <p:extLst>
-      <p:ext uri="{BB962C8B-B14F-4D97-AF65-F5344CB8AC3E}">
-        <p14:creationId xmlns:p14="http://schemas.microsoft.com/office/powerpoint/2010/main" val="3150321828"/>
       </p:ext>
     </p:extLst>
   </p:cSld>
